--- a/slides/week-3.pptx
+++ b/slides/week-3.pptx
@@ -283,7 +283,7 @@
           <a:p>
             <a:fld id="{BEE89151-D79D-4EC9-9784-97880FB4680D}" type="datetimeFigureOut">
               <a:rPr lang="en-US" smtClean="0"/>
-              <a:t>11/9/2017</a:t>
+              <a:t>11/13/2017</a:t>
             </a:fld>
             <a:endParaRPr lang="en-US"/>
           </a:p>
@@ -689,7 +689,7 @@
           <a:p>
             <a:fld id="{1D8BD707-D9CF-40AE-B4C6-C98DA3205C09}" type="datetimeFigureOut">
               <a:rPr lang="en-US"/>
-              <a:t>11/9/2017</a:t>
+              <a:t>11/13/2017</a:t>
             </a:fld>
             <a:endParaRPr lang="en-US"/>
           </a:p>
@@ -872,7 +872,7 @@
           <a:p>
             <a:fld id="{1D8BD707-D9CF-40AE-B4C6-C98DA3205C09}" type="datetimeFigureOut">
               <a:rPr lang="en-US"/>
-              <a:t>11/9/2017</a:t>
+              <a:t>11/13/2017</a:t>
             </a:fld>
             <a:endParaRPr lang="en-US"/>
           </a:p>
@@ -1092,7 +1092,7 @@
           <a:p>
             <a:fld id="{1D8BD707-D9CF-40AE-B4C6-C98DA3205C09}" type="datetimeFigureOut">
               <a:rPr lang="en-US"/>
-              <a:t>11/9/2017</a:t>
+              <a:t>11/13/2017</a:t>
             </a:fld>
             <a:endParaRPr lang="en-US"/>
           </a:p>
@@ -1304,7 +1304,7 @@
           <a:p>
             <a:fld id="{1D8BD707-D9CF-40AE-B4C6-C98DA3205C09}" type="datetimeFigureOut">
               <a:rPr lang="en-US"/>
-              <a:t>11/9/2017</a:t>
+              <a:t>11/13/2017</a:t>
             </a:fld>
             <a:endParaRPr lang="en-US"/>
           </a:p>
@@ -1429,7 +1429,7 @@
           <a:p>
             <a:fld id="{1D8BD707-D9CF-40AE-B4C6-C98DA3205C09}" type="datetimeFigureOut">
               <a:rPr lang="en-US"/>
-              <a:t>11/9/2017</a:t>
+              <a:t>11/13/2017</a:t>
             </a:fld>
             <a:endParaRPr lang="en-US"/>
           </a:p>
@@ -1660,7 +1660,7 @@
           <a:p>
             <a:fld id="{1D8BD707-D9CF-40AE-B4C6-C98DA3205C09}" type="datetimeFigureOut">
               <a:rPr lang="en-US"/>
-              <a:t>11/9/2017</a:t>
+              <a:t>11/13/2017</a:t>
             </a:fld>
             <a:endParaRPr lang="en-US"/>
           </a:p>
@@ -7312,7 +7312,7 @@
             </a:ln>
             <a:extLst>
               <a:ext uri="{C572A759-6A51-4108-AA02-DFA0A04FC94B}">
-                <ma14:wrappingTextBoxFlag xmlns="" xmlns:ma14="http://schemas.microsoft.com/office/mac/drawingml/2011/main" val="1"/>
+                <ma14:wrappingTextBoxFlag xmlns:ma14="http://schemas.microsoft.com/office/mac/drawingml/2011/main" xmlns="" val="1"/>
               </a:ext>
             </a:extLst>
           </p:spPr>
@@ -7362,7 +7362,7 @@
             </a:ln>
             <a:extLst>
               <a:ext uri="{C572A759-6A51-4108-AA02-DFA0A04FC94B}">
-                <ma14:wrappingTextBoxFlag xmlns="" xmlns:ma14="http://schemas.microsoft.com/office/mac/drawingml/2011/main" val="1"/>
+                <ma14:wrappingTextBoxFlag xmlns:ma14="http://schemas.microsoft.com/office/mac/drawingml/2011/main" xmlns="" val="1"/>
               </a:ext>
             </a:extLst>
           </p:spPr>
@@ -7412,7 +7412,7 @@
             </a:ln>
             <a:extLst>
               <a:ext uri="{C572A759-6A51-4108-AA02-DFA0A04FC94B}">
-                <ma14:wrappingTextBoxFlag xmlns="" xmlns:ma14="http://schemas.microsoft.com/office/mac/drawingml/2011/main" val="1"/>
+                <ma14:wrappingTextBoxFlag xmlns:ma14="http://schemas.microsoft.com/office/mac/drawingml/2011/main" xmlns="" val="1"/>
               </a:ext>
             </a:extLst>
           </p:spPr>
@@ -7462,7 +7462,7 @@
             </a:ln>
             <a:extLst>
               <a:ext uri="{C572A759-6A51-4108-AA02-DFA0A04FC94B}">
-                <ma14:wrappingTextBoxFlag xmlns="" xmlns:ma14="http://schemas.microsoft.com/office/mac/drawingml/2011/main" val="1"/>
+                <ma14:wrappingTextBoxFlag xmlns:ma14="http://schemas.microsoft.com/office/mac/drawingml/2011/main" xmlns="" val="1"/>
               </a:ext>
             </a:extLst>
           </p:spPr>
@@ -29613,6 +29613,36 @@
           <a:chExt cx="0" cy="0"/>
         </a:xfrm>
       </p:grpSpPr>
+      <p:pic>
+        <p:nvPicPr>
+          <p:cNvPr id="5" name="Picture 4">
+            <a:extLst>
+              <a:ext uri="{FF2B5EF4-FFF2-40B4-BE49-F238E27FC236}">
+                <a16:creationId xmlns:a16="http://schemas.microsoft.com/office/drawing/2014/main" id="{BCED40BF-E4DA-4114-BFF1-B183C293286B}"/>
+              </a:ext>
+            </a:extLst>
+          </p:cNvPr>
+          <p:cNvPicPr>
+            <a:picLocks noChangeAspect="1"/>
+          </p:cNvPicPr>
+          <p:nvPr/>
+        </p:nvPicPr>
+        <p:blipFill>
+          <a:blip r:embed="rId2"/>
+          <a:stretch>
+            <a:fillRect/>
+          </a:stretch>
+        </p:blipFill>
+        <p:spPr>
+          <a:xfrm>
+            <a:off x="2768600" y="2590800"/>
+            <a:ext cx="8839200" cy="6942248"/>
+          </a:xfrm>
+          <a:prstGeom prst="rect">
+            <a:avLst/>
+          </a:prstGeom>
+        </p:spPr>
+      </p:pic>
       <p:sp>
         <p:nvSpPr>
           <p:cNvPr id="4" name="object 2">
@@ -29728,7 +29758,7 @@
         <p:spPr>
           <a:xfrm>
             <a:off x="1530667" y="2057400"/>
-            <a:ext cx="10686733" cy="6032421"/>
+            <a:ext cx="10686733" cy="5170646"/>
           </a:xfrm>
           <a:prstGeom prst="rect">
             <a:avLst/>
@@ -29740,25 +29770,6 @@
           </a:bodyPr>
           <a:lstStyle/>
           <a:p>
-            <a:pPr marL="12700" marR="5080">
-              <a:lnSpc>
-                <a:spcPct val="100000"/>
-              </a:lnSpc>
-              <a:buSzPct val="74137"/>
-              <a:tabLst>
-                <a:tab pos="417195" algn="l"/>
-                <a:tab pos="417830" algn="l"/>
-              </a:tabLst>
-            </a:pPr>
-            <a:endParaRPr lang="en-US" sz="2800" b="1" dirty="0">
-              <a:solidFill>
-                <a:srgbClr val="5F5F5F"/>
-              </a:solidFill>
-              <a:latin typeface="Georgia"/>
-              <a:cs typeface="Georgia"/>
-            </a:endParaRPr>
-          </a:p>
-          <a:p>
             <a:pPr marL="32385">
               <a:lnSpc>
                 <a:spcPct val="100000"/>
@@ -29777,7 +29788,7 @@
                 <a:latin typeface="Georgia"/>
                 <a:cs typeface="Georgia"/>
               </a:rPr>
-              <a:t>Using all the techniques you’ve learned, try to match this comp as closely as you can:</a:t>
+              <a:t>Using all the techniques you’ve learned, try to match this comp:</a:t>
             </a:r>
           </a:p>
           <a:p>
@@ -29991,35 +30002,6 @@
           </a:p>
         </p:txBody>
       </p:sp>
-      <p:pic>
-        <p:nvPicPr>
-          <p:cNvPr id="6" name="Picture 5">
-            <a:extLst>
-              <a:ext uri="{FF2B5EF4-FFF2-40B4-BE49-F238E27FC236}">
-                <a16:creationId xmlns:a16="http://schemas.microsoft.com/office/drawing/2014/main" id="{FDE08C11-F436-447B-9A7D-AD61B2D589A0}"/>
-              </a:ext>
-            </a:extLst>
-          </p:cNvPr>
-          <p:cNvPicPr>
-            <a:picLocks noChangeAspect="1"/>
-          </p:cNvPicPr>
-          <p:nvPr/>
-        </p:nvPicPr>
-        <p:blipFill rotWithShape="1">
-          <a:blip r:embed="rId2"/>
-          <a:srcRect r="50370"/>
-          <a:stretch/>
-        </p:blipFill>
-        <p:spPr>
-          <a:xfrm>
-            <a:off x="5130801" y="3276600"/>
-            <a:ext cx="6324600" cy="5893965"/>
-          </a:xfrm>
-          <a:prstGeom prst="rect">
-            <a:avLst/>
-          </a:prstGeom>
-        </p:spPr>
-      </p:pic>
     </p:spTree>
     <p:extLst>
       <p:ext uri="{BB962C8B-B14F-4D97-AF65-F5344CB8AC3E}">
@@ -30371,7 +30353,7 @@
                 <a:latin typeface="Georgia"/>
                 <a:cs typeface="Georgia"/>
               </a:rPr>
-              <a:t> to hold the heading, and apply a background image to that element</a:t>
+              <a:t> to hold the title, and apply a background image to that element</a:t>
             </a:r>
           </a:p>
           <a:p>
